--- a/IGEM_VERSION/img/results page templates.pptx
+++ b/IGEM_VERSION/img/results page templates.pptx
@@ -8,7 +8,9 @@
     <p:sldId id="256" r:id="rId2"/>
     <p:sldId id="257" r:id="rId3"/>
     <p:sldId id="259" r:id="rId4"/>
-    <p:sldId id="258" r:id="rId5"/>
+    <p:sldId id="261" r:id="rId5"/>
+    <p:sldId id="258" r:id="rId6"/>
+    <p:sldId id="260" r:id="rId7"/>
   </p:sldIdLst>
   <p:sldSz cx="12192000" cy="6858000"/>
   <p:notesSz cx="6858000" cy="9144000"/>
@@ -107,6 +109,11 @@
       </a:defRPr>
     </a:lvl9pPr>
   </p:defaultTextStyle>
+  <p:extLst>
+    <p:ext uri="{EFAFB233-063F-42B5-8137-9DF3F51BA10A}">
+      <p15:sldGuideLst xmlns:p15="http://schemas.microsoft.com/office/powerpoint/2012/main"/>
+    </p:ext>
+  </p:extLst>
 </p:presentation>
 </file>
 
@@ -257,7 +264,7 @@
           <a:p>
             <a:fld id="{E8802A10-438D-4EC2-8E69-B057612E08A2}" type="datetimeFigureOut">
               <a:rPr lang="en-US" smtClean="0"/>
-              <a:t>19-Oct-19</a:t>
+              <a:t>21-Oct-19</a:t>
             </a:fld>
             <a:endParaRPr lang="en-US"/>
           </a:p>
@@ -455,7 +462,7 @@
           <a:p>
             <a:fld id="{E8802A10-438D-4EC2-8E69-B057612E08A2}" type="datetimeFigureOut">
               <a:rPr lang="en-US" smtClean="0"/>
-              <a:t>19-Oct-19</a:t>
+              <a:t>21-Oct-19</a:t>
             </a:fld>
             <a:endParaRPr lang="en-US"/>
           </a:p>
@@ -663,7 +670,7 @@
           <a:p>
             <a:fld id="{E8802A10-438D-4EC2-8E69-B057612E08A2}" type="datetimeFigureOut">
               <a:rPr lang="en-US" smtClean="0"/>
-              <a:t>19-Oct-19</a:t>
+              <a:t>21-Oct-19</a:t>
             </a:fld>
             <a:endParaRPr lang="en-US"/>
           </a:p>
@@ -861,7 +868,7 @@
           <a:p>
             <a:fld id="{E8802A10-438D-4EC2-8E69-B057612E08A2}" type="datetimeFigureOut">
               <a:rPr lang="en-US" smtClean="0"/>
-              <a:t>19-Oct-19</a:t>
+              <a:t>21-Oct-19</a:t>
             </a:fld>
             <a:endParaRPr lang="en-US"/>
           </a:p>
@@ -1136,7 +1143,7 @@
           <a:p>
             <a:fld id="{E8802A10-438D-4EC2-8E69-B057612E08A2}" type="datetimeFigureOut">
               <a:rPr lang="en-US" smtClean="0"/>
-              <a:t>19-Oct-19</a:t>
+              <a:t>21-Oct-19</a:t>
             </a:fld>
             <a:endParaRPr lang="en-US"/>
           </a:p>
@@ -1401,7 +1408,7 @@
           <a:p>
             <a:fld id="{E8802A10-438D-4EC2-8E69-B057612E08A2}" type="datetimeFigureOut">
               <a:rPr lang="en-US" smtClean="0"/>
-              <a:t>19-Oct-19</a:t>
+              <a:t>21-Oct-19</a:t>
             </a:fld>
             <a:endParaRPr lang="en-US"/>
           </a:p>
@@ -1813,7 +1820,7 @@
           <a:p>
             <a:fld id="{E8802A10-438D-4EC2-8E69-B057612E08A2}" type="datetimeFigureOut">
               <a:rPr lang="en-US" smtClean="0"/>
-              <a:t>19-Oct-19</a:t>
+              <a:t>21-Oct-19</a:t>
             </a:fld>
             <a:endParaRPr lang="en-US"/>
           </a:p>
@@ -1954,7 +1961,7 @@
           <a:p>
             <a:fld id="{E8802A10-438D-4EC2-8E69-B057612E08A2}" type="datetimeFigureOut">
               <a:rPr lang="en-US" smtClean="0"/>
-              <a:t>19-Oct-19</a:t>
+              <a:t>21-Oct-19</a:t>
             </a:fld>
             <a:endParaRPr lang="en-US"/>
           </a:p>
@@ -2067,7 +2074,7 @@
           <a:p>
             <a:fld id="{E8802A10-438D-4EC2-8E69-B057612E08A2}" type="datetimeFigureOut">
               <a:rPr lang="en-US" smtClean="0"/>
-              <a:t>19-Oct-19</a:t>
+              <a:t>21-Oct-19</a:t>
             </a:fld>
             <a:endParaRPr lang="en-US"/>
           </a:p>
@@ -2378,7 +2385,7 @@
           <a:p>
             <a:fld id="{E8802A10-438D-4EC2-8E69-B057612E08A2}" type="datetimeFigureOut">
               <a:rPr lang="en-US" smtClean="0"/>
-              <a:t>19-Oct-19</a:t>
+              <a:t>21-Oct-19</a:t>
             </a:fld>
             <a:endParaRPr lang="en-US"/>
           </a:p>
@@ -2666,7 +2673,7 @@
           <a:p>
             <a:fld id="{E8802A10-438D-4EC2-8E69-B057612E08A2}" type="datetimeFigureOut">
               <a:rPr lang="en-US" smtClean="0"/>
-              <a:t>19-Oct-19</a:t>
+              <a:t>21-Oct-19</a:t>
             </a:fld>
             <a:endParaRPr lang="en-US"/>
           </a:p>
@@ -2907,7 +2914,7 @@
           <a:p>
             <a:fld id="{E8802A10-438D-4EC2-8E69-B057612E08A2}" type="datetimeFigureOut">
               <a:rPr lang="en-US" smtClean="0"/>
-              <a:t>19-Oct-19</a:t>
+              <a:t>21-Oct-19</a:t>
             </a:fld>
             <a:endParaRPr lang="en-US"/>
           </a:p>
@@ -4245,6 +4252,388 @@
           </a:graphicData>
         </a:graphic>
       </p:graphicFrame>
+      <p:graphicFrame>
+        <p:nvGraphicFramePr>
+          <p:cNvPr id="8" name="Google Shape;61;p14">
+            <a:extLst>
+              <a:ext uri="{FF2B5EF4-FFF2-40B4-BE49-F238E27FC236}">
+                <a16:creationId xmlns:a16="http://schemas.microsoft.com/office/drawing/2014/main" id="{BDD33CE0-E035-4B7E-AF28-B4C1B426D4D1}"/>
+              </a:ext>
+            </a:extLst>
+          </p:cNvPr>
+          <p:cNvGraphicFramePr/>
+          <p:nvPr>
+            <p:extLst>
+              <p:ext uri="{D42A27DB-BD31-4B8C-83A1-F6EECF244321}">
+                <p14:modId xmlns:p14="http://schemas.microsoft.com/office/powerpoint/2010/main" val="1823868958"/>
+              </p:ext>
+            </p:extLst>
+          </p:nvPr>
+        </p:nvGraphicFramePr>
+        <p:xfrm>
+          <a:off x="11102050" y="1923070"/>
+          <a:ext cx="3962200" cy="3291660"/>
+        </p:xfrm>
+        <a:graphic>
+          <a:graphicData uri="http://schemas.openxmlformats.org/drawingml/2006/table">
+            <a:tbl>
+              <a:tblPr>
+                <a:noFill/>
+              </a:tblPr>
+              <a:tblGrid>
+                <a:gridCol w="811725">
+                  <a:extLst>
+                    <a:ext uri="{9D8B030D-6E8A-4147-A177-3AD203B41FA5}">
+                      <a16:colId xmlns:a16="http://schemas.microsoft.com/office/drawing/2014/main" val="20000"/>
+                    </a:ext>
+                  </a:extLst>
+                </a:gridCol>
+                <a:gridCol w="3150475">
+                  <a:extLst>
+                    <a:ext uri="{9D8B030D-6E8A-4147-A177-3AD203B41FA5}">
+                      <a16:colId xmlns:a16="http://schemas.microsoft.com/office/drawing/2014/main" val="20001"/>
+                    </a:ext>
+                  </a:extLst>
+                </a:gridCol>
+              </a:tblGrid>
+              <a:tr h="381000">
+                <a:tc>
+                  <a:txBody>
+                    <a:bodyPr/>
+                    <a:lstStyle/>
+                    <a:p>
+                      <a:pPr marL="0" lvl="0" indent="0" algn="l" rtl="0">
+                        <a:spcBef>
+                          <a:spcPts val="0"/>
+                        </a:spcBef>
+                        <a:spcAft>
+                          <a:spcPts val="0"/>
+                        </a:spcAft>
+                        <a:buNone/>
+                      </a:pPr>
+                      <a:r>
+                        <a:rPr lang="en" b="1"/>
+                        <a:t>Lane </a:t>
+                      </a:r>
+                      <a:endParaRPr b="1"/>
+                    </a:p>
+                  </a:txBody>
+                  <a:tcPr marL="91425" marR="91425" marT="91425" marB="91425"/>
+                </a:tc>
+                <a:tc>
+                  <a:txBody>
+                    <a:bodyPr/>
+                    <a:lstStyle/>
+                    <a:p>
+                      <a:pPr marL="0" lvl="0" indent="0" algn="l" rtl="0">
+                        <a:spcBef>
+                          <a:spcPts val="0"/>
+                        </a:spcBef>
+                        <a:spcAft>
+                          <a:spcPts val="0"/>
+                        </a:spcAft>
+                        <a:buNone/>
+                      </a:pPr>
+                      <a:r>
+                        <a:rPr lang="en" b="1"/>
+                        <a:t>gRNA - DNA template complex </a:t>
+                      </a:r>
+                      <a:endParaRPr b="1"/>
+                    </a:p>
+                  </a:txBody>
+                  <a:tcPr marL="91425" marR="91425" marT="91425" marB="91425"/>
+                </a:tc>
+                <a:extLst>
+                  <a:ext uri="{0D108BD9-81ED-4DB2-BD59-A6C34878D82A}">
+                    <a16:rowId xmlns:a16="http://schemas.microsoft.com/office/drawing/2014/main" val="10000"/>
+                  </a:ext>
+                </a:extLst>
+              </a:tr>
+              <a:tr h="381000">
+                <a:tc>
+                  <a:txBody>
+                    <a:bodyPr/>
+                    <a:lstStyle/>
+                    <a:p>
+                      <a:pPr marL="0" lvl="0" indent="0" algn="l" rtl="0">
+                        <a:spcBef>
+                          <a:spcPts val="0"/>
+                        </a:spcBef>
+                        <a:spcAft>
+                          <a:spcPts val="0"/>
+                        </a:spcAft>
+                        <a:buNone/>
+                      </a:pPr>
+                      <a:r>
+                        <a:rPr lang="en"/>
+                        <a:t>1</a:t>
+                      </a:r>
+                      <a:endParaRPr/>
+                    </a:p>
+                  </a:txBody>
+                  <a:tcPr marL="91425" marR="91425" marT="91425" marB="91425"/>
+                </a:tc>
+                <a:tc>
+                  <a:txBody>
+                    <a:bodyPr/>
+                    <a:lstStyle/>
+                    <a:p>
+                      <a:pPr marL="0" lvl="0" indent="0" algn="l" rtl="0">
+                        <a:spcBef>
+                          <a:spcPts val="0"/>
+                        </a:spcBef>
+                        <a:spcAft>
+                          <a:spcPts val="0"/>
+                        </a:spcAft>
+                        <a:buNone/>
+                      </a:pPr>
+                      <a:r>
+                        <a:rPr lang="en" dirty="0"/>
+                        <a:t>Control- rs75389940_G (no gRNA)</a:t>
+                      </a:r>
+                      <a:endParaRPr dirty="0"/>
+                    </a:p>
+                  </a:txBody>
+                  <a:tcPr marL="91425" marR="91425" marT="91425" marB="91425"/>
+                </a:tc>
+                <a:extLst>
+                  <a:ext uri="{0D108BD9-81ED-4DB2-BD59-A6C34878D82A}">
+                    <a16:rowId xmlns:a16="http://schemas.microsoft.com/office/drawing/2014/main" val="10001"/>
+                  </a:ext>
+                </a:extLst>
+              </a:tr>
+              <a:tr h="381000">
+                <a:tc>
+                  <a:txBody>
+                    <a:bodyPr/>
+                    <a:lstStyle/>
+                    <a:p>
+                      <a:pPr marL="0" lvl="0" indent="0" algn="l" rtl="0">
+                        <a:spcBef>
+                          <a:spcPts val="0"/>
+                        </a:spcBef>
+                        <a:spcAft>
+                          <a:spcPts val="0"/>
+                        </a:spcAft>
+                        <a:buNone/>
+                      </a:pPr>
+                      <a:r>
+                        <a:rPr lang="en"/>
+                        <a:t>2</a:t>
+                      </a:r>
+                      <a:endParaRPr/>
+                    </a:p>
+                  </a:txBody>
+                  <a:tcPr marL="91425" marR="91425" marT="91425" marB="91425"/>
+                </a:tc>
+                <a:tc>
+                  <a:txBody>
+                    <a:bodyPr/>
+                    <a:lstStyle/>
+                    <a:p>
+                      <a:pPr marL="0" lvl="0" indent="0" algn="l" rtl="0">
+                        <a:spcBef>
+                          <a:spcPts val="0"/>
+                        </a:spcBef>
+                        <a:spcAft>
+                          <a:spcPts val="0"/>
+                        </a:spcAft>
+                        <a:buNone/>
+                      </a:pPr>
+                      <a:r>
+                        <a:rPr lang="en">
+                          <a:solidFill>
+                            <a:schemeClr val="dk1"/>
+                          </a:solidFill>
+                        </a:rPr>
+                        <a:t>rs75389940_G </a:t>
+                      </a:r>
+                      <a:endParaRPr/>
+                    </a:p>
+                  </a:txBody>
+                  <a:tcPr marL="91425" marR="91425" marT="91425" marB="91425"/>
+                </a:tc>
+                <a:extLst>
+                  <a:ext uri="{0D108BD9-81ED-4DB2-BD59-A6C34878D82A}">
+                    <a16:rowId xmlns:a16="http://schemas.microsoft.com/office/drawing/2014/main" val="10002"/>
+                  </a:ext>
+                </a:extLst>
+              </a:tr>
+              <a:tr h="381000">
+                <a:tc>
+                  <a:txBody>
+                    <a:bodyPr/>
+                    <a:lstStyle/>
+                    <a:p>
+                      <a:pPr marL="0" lvl="0" indent="0" algn="l" rtl="0">
+                        <a:spcBef>
+                          <a:spcPts val="0"/>
+                        </a:spcBef>
+                        <a:spcAft>
+                          <a:spcPts val="0"/>
+                        </a:spcAft>
+                        <a:buNone/>
+                      </a:pPr>
+                      <a:r>
+                        <a:rPr lang="en"/>
+                        <a:t>3</a:t>
+                      </a:r>
+                      <a:endParaRPr/>
+                    </a:p>
+                  </a:txBody>
+                  <a:tcPr marL="91425" marR="91425" marT="91425" marB="91425"/>
+                </a:tc>
+                <a:tc>
+                  <a:txBody>
+                    <a:bodyPr/>
+                    <a:lstStyle/>
+                    <a:p>
+                      <a:pPr marL="0" lvl="0" indent="0" algn="l" rtl="0">
+                        <a:spcBef>
+                          <a:spcPts val="0"/>
+                        </a:spcBef>
+                        <a:spcAft>
+                          <a:spcPts val="0"/>
+                        </a:spcAft>
+                        <a:buNone/>
+                      </a:pPr>
+                      <a:r>
+                        <a:rPr lang="en" dirty="0"/>
+                        <a:t>Control - WT_CF</a:t>
+                      </a:r>
+                      <a:endParaRPr dirty="0"/>
+                    </a:p>
+                  </a:txBody>
+                  <a:tcPr marL="91425" marR="91425" marT="91425" marB="91425"/>
+                </a:tc>
+                <a:extLst>
+                  <a:ext uri="{0D108BD9-81ED-4DB2-BD59-A6C34878D82A}">
+                    <a16:rowId xmlns:a16="http://schemas.microsoft.com/office/drawing/2014/main" val="10003"/>
+                  </a:ext>
+                </a:extLst>
+              </a:tr>
+              <a:tr h="381000">
+                <a:tc>
+                  <a:txBody>
+                    <a:bodyPr/>
+                    <a:lstStyle/>
+                    <a:p>
+                      <a:pPr marL="0" lvl="0" indent="0" algn="l" rtl="0">
+                        <a:spcBef>
+                          <a:spcPts val="0"/>
+                        </a:spcBef>
+                        <a:spcAft>
+                          <a:spcPts val="0"/>
+                        </a:spcAft>
+                        <a:buNone/>
+                      </a:pPr>
+                      <a:r>
+                        <a:rPr lang="en"/>
+                        <a:t>4</a:t>
+                      </a:r>
+                      <a:endParaRPr/>
+                    </a:p>
+                  </a:txBody>
+                  <a:tcPr marL="91425" marR="91425" marT="91425" marB="91425"/>
+                </a:tc>
+                <a:tc>
+                  <a:txBody>
+                    <a:bodyPr/>
+                    <a:lstStyle/>
+                    <a:p>
+                      <a:pPr marL="0" lvl="0" indent="0" algn="l" rtl="0">
+                        <a:spcBef>
+                          <a:spcPts val="0"/>
+                        </a:spcBef>
+                        <a:spcAft>
+                          <a:spcPts val="0"/>
+                        </a:spcAft>
+                        <a:buNone/>
+                      </a:pPr>
+                      <a:r>
+                        <a:rPr lang="en" dirty="0"/>
+                        <a:t>WT_CF</a:t>
+                      </a:r>
+                      <a:endParaRPr dirty="0"/>
+                    </a:p>
+                  </a:txBody>
+                  <a:tcPr marL="91425" marR="91425" marT="91425" marB="91425"/>
+                </a:tc>
+                <a:extLst>
+                  <a:ext uri="{0D108BD9-81ED-4DB2-BD59-A6C34878D82A}">
+                    <a16:rowId xmlns:a16="http://schemas.microsoft.com/office/drawing/2014/main" val="10004"/>
+                  </a:ext>
+                </a:extLst>
+              </a:tr>
+              <a:tr h="381000">
+                <a:tc>
+                  <a:txBody>
+                    <a:bodyPr/>
+                    <a:lstStyle/>
+                    <a:p>
+                      <a:pPr marL="0" lvl="0" indent="0" algn="l" rtl="0">
+                        <a:spcBef>
+                          <a:spcPts val="0"/>
+                        </a:spcBef>
+                        <a:spcAft>
+                          <a:spcPts val="0"/>
+                        </a:spcAft>
+                        <a:buNone/>
+                      </a:pPr>
+                      <a:r>
+                        <a:rPr lang="en"/>
+                        <a:t>5</a:t>
+                      </a:r>
+                      <a:endParaRPr/>
+                    </a:p>
+                  </a:txBody>
+                  <a:tcPr marL="91425" marR="91425" marT="91425" marB="91425"/>
+                </a:tc>
+                <a:tc>
+                  <a:txBody>
+                    <a:bodyPr/>
+                    <a:lstStyle/>
+                    <a:p>
+                      <a:pPr marL="0" lvl="0" indent="0" algn="l" rtl="0">
+                        <a:spcBef>
+                          <a:spcPts val="0"/>
+                        </a:spcBef>
+                        <a:spcAft>
+                          <a:spcPts val="0"/>
+                        </a:spcAft>
+                        <a:buNone/>
+                      </a:pPr>
+                      <a:r>
+                        <a:rPr lang="en" dirty="0"/>
+                        <a:t>WT_CF template + </a:t>
+                      </a:r>
+                      <a:r>
+                        <a:rPr lang="en" dirty="0">
+                          <a:solidFill>
+                            <a:schemeClr val="dk1"/>
+                          </a:solidFill>
+                        </a:rPr>
+                        <a:t>rs75389940_G </a:t>
+                      </a:r>
+                      <a:r>
+                        <a:rPr lang="en" dirty="0"/>
+                        <a:t>gRNA</a:t>
+                      </a:r>
+                      <a:endParaRPr dirty="0"/>
+                    </a:p>
+                  </a:txBody>
+                  <a:tcPr marL="91425" marR="91425" marT="91425" marB="91425"/>
+                </a:tc>
+                <a:extLst>
+                  <a:ext uri="{0D108BD9-81ED-4DB2-BD59-A6C34878D82A}">
+                    <a16:rowId xmlns:a16="http://schemas.microsoft.com/office/drawing/2014/main" val="10005"/>
+                  </a:ext>
+                </a:extLst>
+              </a:tr>
+            </a:tbl>
+          </a:graphicData>
+        </a:graphic>
+      </p:graphicFrame>
     </p:spTree>
     <p:extLst>
       <p:ext uri="{BB962C8B-B14F-4D97-AF65-F5344CB8AC3E}">
@@ -4259,6 +4648,442 @@
 </file>
 
 <file path=ppt/slides/slide4.xml><?xml version="1.0" encoding="utf-8"?>
+<p:sld xmlns:a="http://schemas.openxmlformats.org/drawingml/2006/main" xmlns:r="http://schemas.openxmlformats.org/officeDocument/2006/relationships" xmlns:p="http://schemas.openxmlformats.org/presentationml/2006/main">
+  <p:cSld>
+    <p:spTree>
+      <p:nvGrpSpPr>
+        <p:cNvPr id="1" name=""/>
+        <p:cNvGrpSpPr/>
+        <p:nvPr/>
+      </p:nvGrpSpPr>
+      <p:grpSpPr>
+        <a:xfrm>
+          <a:off x="0" y="0"/>
+          <a:ext cx="0" cy="0"/>
+          <a:chOff x="0" y="0"/>
+          <a:chExt cx="0" cy="0"/>
+        </a:xfrm>
+      </p:grpSpPr>
+      <p:sp>
+        <p:nvSpPr>
+          <p:cNvPr id="6" name="Rectangle 5">
+            <a:extLst>
+              <a:ext uri="{FF2B5EF4-FFF2-40B4-BE49-F238E27FC236}">
+                <a16:creationId xmlns:a16="http://schemas.microsoft.com/office/drawing/2014/main" id="{F2DF64A1-C0F7-4657-8ED8-4FFF4D419043}"/>
+              </a:ext>
+            </a:extLst>
+          </p:cNvPr>
+          <p:cNvSpPr/>
+          <p:nvPr/>
+        </p:nvSpPr>
+        <p:spPr>
+          <a:xfrm>
+            <a:off x="1089950" y="0"/>
+            <a:ext cx="10012101" cy="6858000"/>
+          </a:xfrm>
+          <a:prstGeom prst="rect">
+            <a:avLst/>
+          </a:prstGeom>
+          <a:solidFill>
+            <a:srgbClr val="61429B"/>
+          </a:solidFill>
+          <a:ln>
+            <a:noFill/>
+          </a:ln>
+        </p:spPr>
+        <p:style>
+          <a:lnRef idx="2">
+            <a:schemeClr val="accent1">
+              <a:shade val="50000"/>
+            </a:schemeClr>
+          </a:lnRef>
+          <a:fillRef idx="1">
+            <a:schemeClr val="accent1"/>
+          </a:fillRef>
+          <a:effectRef idx="0">
+            <a:schemeClr val="accent1"/>
+          </a:effectRef>
+          <a:fontRef idx="minor">
+            <a:schemeClr val="lt1"/>
+          </a:fontRef>
+        </p:style>
+        <p:txBody>
+          <a:bodyPr rtlCol="0" anchor="ctr"/>
+          <a:lstStyle/>
+          <a:p>
+            <a:pPr algn="ctr"/>
+            <a:endParaRPr lang="en-US"/>
+          </a:p>
+        </p:txBody>
+      </p:sp>
+      <p:graphicFrame>
+        <p:nvGraphicFramePr>
+          <p:cNvPr id="5" name="Table 18">
+            <a:extLst>
+              <a:ext uri="{FF2B5EF4-FFF2-40B4-BE49-F238E27FC236}">
+                <a16:creationId xmlns:a16="http://schemas.microsoft.com/office/drawing/2014/main" id="{315E03C7-EF8D-422C-A0E1-B5A578840CDA}"/>
+              </a:ext>
+            </a:extLst>
+          </p:cNvPr>
+          <p:cNvGraphicFramePr>
+            <a:graphicFrameLocks noGrp="1"/>
+          </p:cNvGraphicFramePr>
+          <p:nvPr>
+            <p:extLst>
+              <p:ext uri="{D42A27DB-BD31-4B8C-83A1-F6EECF244321}">
+                <p14:modId xmlns:p14="http://schemas.microsoft.com/office/powerpoint/2010/main" val="1125391101"/>
+              </p:ext>
+            </p:extLst>
+          </p:nvPr>
+        </p:nvGraphicFramePr>
+        <p:xfrm>
+          <a:off x="2570544" y="1814224"/>
+          <a:ext cx="7050911" cy="3400506"/>
+        </p:xfrm>
+        <a:graphic>
+          <a:graphicData uri="http://schemas.openxmlformats.org/drawingml/2006/table">
+            <a:tbl>
+              <a:tblPr bandRow="1">
+                <a:tableStyleId>{5C22544A-7EE6-4342-B048-85BDC9FD1C3A}</a:tableStyleId>
+              </a:tblPr>
+              <a:tblGrid>
+                <a:gridCol w="1062467">
+                  <a:extLst>
+                    <a:ext uri="{9D8B030D-6E8A-4147-A177-3AD203B41FA5}">
+                      <a16:colId xmlns:a16="http://schemas.microsoft.com/office/drawing/2014/main" val="362125449"/>
+                    </a:ext>
+                  </a:extLst>
+                </a:gridCol>
+                <a:gridCol w="5988444">
+                  <a:extLst>
+                    <a:ext uri="{9D8B030D-6E8A-4147-A177-3AD203B41FA5}">
+                      <a16:colId xmlns:a16="http://schemas.microsoft.com/office/drawing/2014/main" val="3043162107"/>
+                    </a:ext>
+                  </a:extLst>
+                </a:gridCol>
+              </a:tblGrid>
+              <a:tr h="566751">
+                <a:tc>
+                  <a:txBody>
+                    <a:bodyPr/>
+                    <a:lstStyle/>
+                    <a:p>
+                      <a:pPr rtl="0"/>
+                      <a:r>
+                        <a:rPr lang="en-US" sz="2500" b="1" dirty="0">
+                          <a:effectLst/>
+                          <a:latin typeface="Ubuntu" panose="020B0504030602030204" pitchFamily="34" charset="0"/>
+                        </a:rPr>
+                        <a:t>Lane</a:t>
+                      </a:r>
+                    </a:p>
+                  </a:txBody>
+                  <a:tcPr marL="132596" marR="132596" marT="66298" marB="66298">
+                    <a:solidFill>
+                      <a:schemeClr val="bg1"/>
+                    </a:solidFill>
+                  </a:tcPr>
+                </a:tc>
+                <a:tc>
+                  <a:txBody>
+                    <a:bodyPr/>
+                    <a:lstStyle/>
+                    <a:p>
+                      <a:pPr rtl="0"/>
+                      <a:r>
+                        <a:rPr lang="en-US" sz="2500" b="1" dirty="0">
+                          <a:effectLst/>
+                          <a:latin typeface="Ubuntu" panose="020B0504030602030204" pitchFamily="34" charset="0"/>
+                        </a:rPr>
+                        <a:t>gRNA - DNA template complex </a:t>
+                      </a:r>
+                    </a:p>
+                  </a:txBody>
+                  <a:tcPr marL="132596" marR="132596" marT="66298" marB="66298">
+                    <a:solidFill>
+                      <a:schemeClr val="bg1"/>
+                    </a:solidFill>
+                  </a:tcPr>
+                </a:tc>
+                <a:extLst>
+                  <a:ext uri="{0D108BD9-81ED-4DB2-BD59-A6C34878D82A}">
+                    <a16:rowId xmlns:a16="http://schemas.microsoft.com/office/drawing/2014/main" val="3050549351"/>
+                  </a:ext>
+                </a:extLst>
+              </a:tr>
+              <a:tr h="566751">
+                <a:tc>
+                  <a:txBody>
+                    <a:bodyPr/>
+                    <a:lstStyle/>
+                    <a:p>
+                      <a:pPr rtl="0"/>
+                      <a:r>
+                        <a:rPr lang="en-US" sz="2500" b="0" dirty="0">
+                          <a:effectLst/>
+                          <a:latin typeface="Ubuntu" panose="020B0504030602030204" pitchFamily="34" charset="0"/>
+                        </a:rPr>
+                        <a:t>1</a:t>
+                      </a:r>
+                    </a:p>
+                  </a:txBody>
+                  <a:tcPr marL="132596" marR="132596" marT="66298" marB="66298"/>
+                </a:tc>
+                <a:tc>
+                  <a:txBody>
+                    <a:bodyPr/>
+                    <a:lstStyle/>
+                    <a:p>
+                      <a:pPr marL="0" lvl="0" indent="0" algn="l" rtl="0">
+                        <a:spcBef>
+                          <a:spcPts val="0"/>
+                        </a:spcBef>
+                        <a:spcAft>
+                          <a:spcPts val="0"/>
+                        </a:spcAft>
+                        <a:buNone/>
+                      </a:pPr>
+                      <a:r>
+                        <a:rPr lang="en-US" sz="2500" dirty="0">
+                          <a:latin typeface="Ubuntu" panose="020B0504030602030204" pitchFamily="34" charset="0"/>
+                        </a:rPr>
+                        <a:t>Control- rs75389940_G (no gRNA)</a:t>
+                      </a:r>
+                    </a:p>
+                  </a:txBody>
+                  <a:tcPr marL="132596" marR="132596" marT="66298" marB="66298"/>
+                </a:tc>
+                <a:extLst>
+                  <a:ext uri="{0D108BD9-81ED-4DB2-BD59-A6C34878D82A}">
+                    <a16:rowId xmlns:a16="http://schemas.microsoft.com/office/drawing/2014/main" val="188311027"/>
+                  </a:ext>
+                </a:extLst>
+              </a:tr>
+              <a:tr h="566751">
+                <a:tc>
+                  <a:txBody>
+                    <a:bodyPr/>
+                    <a:lstStyle/>
+                    <a:p>
+                      <a:pPr rtl="0"/>
+                      <a:r>
+                        <a:rPr lang="en-US" sz="2500" b="0" dirty="0">
+                          <a:effectLst/>
+                          <a:latin typeface="Ubuntu" panose="020B0504030602030204" pitchFamily="34" charset="0"/>
+                        </a:rPr>
+                        <a:t>2</a:t>
+                      </a:r>
+                    </a:p>
+                  </a:txBody>
+                  <a:tcPr marL="132596" marR="132596" marT="66298" marB="66298">
+                    <a:solidFill>
+                      <a:schemeClr val="bg1"/>
+                    </a:solidFill>
+                  </a:tcPr>
+                </a:tc>
+                <a:tc>
+                  <a:txBody>
+                    <a:bodyPr/>
+                    <a:lstStyle/>
+                    <a:p>
+                      <a:pPr marL="0" lvl="0" indent="0" algn="l" rtl="0">
+                        <a:spcBef>
+                          <a:spcPts val="0"/>
+                        </a:spcBef>
+                        <a:spcAft>
+                          <a:spcPts val="0"/>
+                        </a:spcAft>
+                        <a:buNone/>
+                      </a:pPr>
+                      <a:r>
+                        <a:rPr lang="en-US" sz="2500" dirty="0">
+                          <a:solidFill>
+                            <a:schemeClr val="dk1"/>
+                          </a:solidFill>
+                          <a:latin typeface="Ubuntu" panose="020B0504030602030204" pitchFamily="34" charset="0"/>
+                        </a:rPr>
+                        <a:t>rs75389940_G </a:t>
+                      </a:r>
+                      <a:endParaRPr lang="en-US" sz="2500" dirty="0">
+                        <a:latin typeface="Ubuntu" panose="020B0504030602030204" pitchFamily="34" charset="0"/>
+                      </a:endParaRPr>
+                    </a:p>
+                  </a:txBody>
+                  <a:tcPr marL="132596" marR="132596" marT="66298" marB="66298">
+                    <a:solidFill>
+                      <a:schemeClr val="bg1"/>
+                    </a:solidFill>
+                  </a:tcPr>
+                </a:tc>
+                <a:extLst>
+                  <a:ext uri="{0D108BD9-81ED-4DB2-BD59-A6C34878D82A}">
+                    <a16:rowId xmlns:a16="http://schemas.microsoft.com/office/drawing/2014/main" val="3340584034"/>
+                  </a:ext>
+                </a:extLst>
+              </a:tr>
+              <a:tr h="566751">
+                <a:tc>
+                  <a:txBody>
+                    <a:bodyPr/>
+                    <a:lstStyle/>
+                    <a:p>
+                      <a:pPr rtl="0"/>
+                      <a:r>
+                        <a:rPr lang="en-US" sz="2500" b="0" dirty="0">
+                          <a:effectLst/>
+                          <a:latin typeface="Ubuntu" panose="020B0504030602030204" pitchFamily="34" charset="0"/>
+                        </a:rPr>
+                        <a:t>3</a:t>
+                      </a:r>
+                    </a:p>
+                  </a:txBody>
+                  <a:tcPr marL="132596" marR="132596" marT="66298" marB="66298"/>
+                </a:tc>
+                <a:tc>
+                  <a:txBody>
+                    <a:bodyPr/>
+                    <a:lstStyle/>
+                    <a:p>
+                      <a:pPr marL="0" lvl="0" indent="0" algn="l" rtl="0">
+                        <a:spcBef>
+                          <a:spcPts val="0"/>
+                        </a:spcBef>
+                        <a:spcAft>
+                          <a:spcPts val="0"/>
+                        </a:spcAft>
+                        <a:buNone/>
+                      </a:pPr>
+                      <a:r>
+                        <a:rPr lang="en-US" sz="2500" dirty="0">
+                          <a:latin typeface="Ubuntu" panose="020B0504030602030204" pitchFamily="34" charset="0"/>
+                        </a:rPr>
+                        <a:t>Control - WT_CF</a:t>
+                      </a:r>
+                    </a:p>
+                  </a:txBody>
+                  <a:tcPr marL="132596" marR="132596" marT="66298" marB="66298"/>
+                </a:tc>
+                <a:extLst>
+                  <a:ext uri="{0D108BD9-81ED-4DB2-BD59-A6C34878D82A}">
+                    <a16:rowId xmlns:a16="http://schemas.microsoft.com/office/drawing/2014/main" val="1694430249"/>
+                  </a:ext>
+                </a:extLst>
+              </a:tr>
+              <a:tr h="566751">
+                <a:tc>
+                  <a:txBody>
+                    <a:bodyPr/>
+                    <a:lstStyle/>
+                    <a:p>
+                      <a:pPr rtl="0"/>
+                      <a:r>
+                        <a:rPr lang="en-US" sz="2500" b="0" dirty="0">
+                          <a:effectLst/>
+                          <a:latin typeface="Ubuntu" panose="020B0504030602030204" pitchFamily="34" charset="0"/>
+                        </a:rPr>
+                        <a:t>4</a:t>
+                      </a:r>
+                    </a:p>
+                  </a:txBody>
+                  <a:tcPr marL="132596" marR="132596" marT="66298" marB="66298">
+                    <a:solidFill>
+                      <a:schemeClr val="bg1"/>
+                    </a:solidFill>
+                  </a:tcPr>
+                </a:tc>
+                <a:tc>
+                  <a:txBody>
+                    <a:bodyPr/>
+                    <a:lstStyle/>
+                    <a:p>
+                      <a:pPr marL="0" lvl="0" indent="0" algn="l" rtl="0">
+                        <a:spcBef>
+                          <a:spcPts val="0"/>
+                        </a:spcBef>
+                        <a:spcAft>
+                          <a:spcPts val="0"/>
+                        </a:spcAft>
+                        <a:buNone/>
+                      </a:pPr>
+                      <a:r>
+                        <a:rPr lang="en-US" sz="2500" dirty="0">
+                          <a:latin typeface="Ubuntu" panose="020B0504030602030204" pitchFamily="34" charset="0"/>
+                        </a:rPr>
+                        <a:t>WT_CF</a:t>
+                      </a:r>
+                    </a:p>
+                  </a:txBody>
+                  <a:tcPr marL="132596" marR="132596" marT="66298" marB="66298">
+                    <a:solidFill>
+                      <a:schemeClr val="bg1"/>
+                    </a:solidFill>
+                  </a:tcPr>
+                </a:tc>
+                <a:extLst>
+                  <a:ext uri="{0D108BD9-81ED-4DB2-BD59-A6C34878D82A}">
+                    <a16:rowId xmlns:a16="http://schemas.microsoft.com/office/drawing/2014/main" val="3950588056"/>
+                  </a:ext>
+                </a:extLst>
+              </a:tr>
+              <a:tr h="566751">
+                <a:tc>
+                  <a:txBody>
+                    <a:bodyPr/>
+                    <a:lstStyle/>
+                    <a:p>
+                      <a:pPr rtl="0"/>
+                      <a:r>
+                        <a:rPr lang="en-US" sz="2500" b="0" dirty="0">
+                          <a:effectLst/>
+                          <a:latin typeface="Ubuntu" panose="020B0504030602030204" pitchFamily="34" charset="0"/>
+                        </a:rPr>
+                        <a:t>5</a:t>
+                      </a:r>
+                    </a:p>
+                  </a:txBody>
+                  <a:tcPr marL="132596" marR="132596" marT="66298" marB="66298"/>
+                </a:tc>
+                <a:tc>
+                  <a:txBody>
+                    <a:bodyPr/>
+                    <a:lstStyle/>
+                    <a:p>
+                      <a:pPr rtl="0"/>
+                      <a:r>
+                        <a:rPr lang="nl-NL" sz="2500" dirty="0">
+                          <a:effectLst/>
+                          <a:latin typeface="Ubuntu" panose="020B0504030602030204" pitchFamily="34" charset="0"/>
+                        </a:rPr>
+                        <a:t>WT_CF template + rs75389940_G gRNA</a:t>
+                      </a:r>
+                    </a:p>
+                  </a:txBody>
+                  <a:tcPr marL="132596" marR="132596" marT="66298" marB="66298"/>
+                </a:tc>
+                <a:extLst>
+                  <a:ext uri="{0D108BD9-81ED-4DB2-BD59-A6C34878D82A}">
+                    <a16:rowId xmlns:a16="http://schemas.microsoft.com/office/drawing/2014/main" val="1542403503"/>
+                  </a:ext>
+                </a:extLst>
+              </a:tr>
+            </a:tbl>
+          </a:graphicData>
+        </a:graphic>
+      </p:graphicFrame>
+    </p:spTree>
+    <p:extLst>
+      <p:ext uri="{BB962C8B-B14F-4D97-AF65-F5344CB8AC3E}">
+        <p14:creationId xmlns:p14="http://schemas.microsoft.com/office/powerpoint/2010/main" val="1623315556"/>
+      </p:ext>
+    </p:extLst>
+  </p:cSld>
+  <p:clrMapOvr>
+    <a:masterClrMapping/>
+  </p:clrMapOvr>
+</p:sld>
+</file>
+
+<file path=ppt/slides/slide5.xml><?xml version="1.0" encoding="utf-8"?>
 <p:sld xmlns:a="http://schemas.openxmlformats.org/drawingml/2006/main" xmlns:r="http://schemas.openxmlformats.org/officeDocument/2006/relationships" xmlns:p="http://schemas.openxmlformats.org/presentationml/2006/main">
   <p:cSld>
     <p:spTree>
@@ -5076,6 +5901,322 @@
     <p:extLst>
       <p:ext uri="{BB962C8B-B14F-4D97-AF65-F5344CB8AC3E}">
         <p14:creationId xmlns:p14="http://schemas.microsoft.com/office/powerpoint/2010/main" val="3601407553"/>
+      </p:ext>
+    </p:extLst>
+  </p:cSld>
+  <p:clrMapOvr>
+    <a:masterClrMapping/>
+  </p:clrMapOvr>
+</p:sld>
+</file>
+
+<file path=ppt/slides/slide6.xml><?xml version="1.0" encoding="utf-8"?>
+<p:sld xmlns:a="http://schemas.openxmlformats.org/drawingml/2006/main" xmlns:r="http://schemas.openxmlformats.org/officeDocument/2006/relationships" xmlns:p="http://schemas.openxmlformats.org/presentationml/2006/main">
+  <p:cSld>
+    <p:spTree>
+      <p:nvGrpSpPr>
+        <p:cNvPr id="1" name=""/>
+        <p:cNvGrpSpPr/>
+        <p:nvPr/>
+      </p:nvGrpSpPr>
+      <p:grpSpPr>
+        <a:xfrm>
+          <a:off x="0" y="0"/>
+          <a:ext cx="0" cy="0"/>
+          <a:chOff x="0" y="0"/>
+          <a:chExt cx="0" cy="0"/>
+        </a:xfrm>
+      </p:grpSpPr>
+      <p:sp>
+        <p:nvSpPr>
+          <p:cNvPr id="4" name="Rectangle 1">
+            <a:extLst>
+              <a:ext uri="{FF2B5EF4-FFF2-40B4-BE49-F238E27FC236}">
+                <a16:creationId xmlns:a16="http://schemas.microsoft.com/office/drawing/2014/main" id="{D1299385-B786-4926-9166-033C58C916DC}"/>
+              </a:ext>
+            </a:extLst>
+          </p:cNvPr>
+          <p:cNvSpPr>
+            <a:spLocks noChangeArrowheads="1"/>
+          </p:cNvSpPr>
+          <p:nvPr/>
+        </p:nvSpPr>
+        <p:spPr bwMode="auto">
+          <a:xfrm>
+            <a:off x="0" y="0"/>
+            <a:ext cx="12192000" cy="457200"/>
+          </a:xfrm>
+          <a:prstGeom prst="rect">
+            <a:avLst/>
+          </a:prstGeom>
+          <a:noFill/>
+          <a:ln>
+            <a:noFill/>
+          </a:ln>
+          <a:effectLst/>
+          <a:extLst>
+            <a:ext uri="{909E8E84-426E-40DD-AFC4-6F175D3DCCD1}">
+              <a14:hiddenFill xmlns:a14="http://schemas.microsoft.com/office/drawing/2010/main">
+                <a:solidFill>
+                  <a:schemeClr val="accent1"/>
+                </a:solidFill>
+              </a14:hiddenFill>
+            </a:ext>
+            <a:ext uri="{91240B29-F687-4F45-9708-019B960494DF}">
+              <a14:hiddenLine xmlns:a14="http://schemas.microsoft.com/office/drawing/2010/main" w="9525">
+                <a:solidFill>
+                  <a:schemeClr val="tx1"/>
+                </a:solidFill>
+                <a:miter lim="800000"/>
+                <a:headEnd/>
+                <a:tailEnd/>
+              </a14:hiddenLine>
+            </a:ext>
+            <a:ext uri="{AF507438-7753-43E0-B8FC-AC1667EBCBE1}">
+              <a14:hiddenEffects xmlns:a14="http://schemas.microsoft.com/office/drawing/2010/main">
+                <a:effectLst>
+                  <a:outerShdw dist="35921" dir="2700000" algn="ctr" rotWithShape="0">
+                    <a:schemeClr val="bg2"/>
+                  </a:outerShdw>
+                </a:effectLst>
+              </a14:hiddenEffects>
+            </a:ext>
+          </a:extLst>
+        </p:spPr>
+        <p:txBody>
+          <a:bodyPr vert="horz" wrap="none" lIns="91440" tIns="45720" rIns="91440" bIns="45720" numCol="1" anchor="ctr" anchorCtr="0" compatLnSpc="1">
+            <a:prstTxWarp prst="textNoShape">
+              <a:avLst/>
+            </a:prstTxWarp>
+            <a:spAutoFit/>
+          </a:bodyPr>
+          <a:lstStyle/>
+          <a:p>
+            <a:pPr marL="0" marR="0" lvl="0" indent="0" algn="l" defTabSz="914400" rtl="0" eaLnBrk="0" fontAlgn="base" latinLnBrk="0" hangingPunct="0">
+              <a:lnSpc>
+                <a:spcPct val="100000"/>
+              </a:lnSpc>
+              <a:spcBef>
+                <a:spcPct val="0"/>
+              </a:spcBef>
+              <a:spcAft>
+                <a:spcPct val="0"/>
+              </a:spcAft>
+              <a:buClrTx/>
+              <a:buSzTx/>
+              <a:buFontTx/>
+              <a:buNone/>
+              <a:tabLst/>
+            </a:pPr>
+            <a:r>
+              <a:rPr kumimoji="0" lang="en-US" altLang="en-US" sz="1800" b="0" i="0" u="none" strike="noStrike" cap="none" normalizeH="0" baseline="0">
+                <a:ln>
+                  <a:noFill/>
+                </a:ln>
+                <a:solidFill>
+                  <a:schemeClr val="tx1"/>
+                </a:solidFill>
+                <a:effectLst/>
+                <a:latin typeface="Arial" panose="020B0604020202020204" pitchFamily="34" charset="0"/>
+              </a:rPr>
+              <a:t>  </a:t>
+            </a:r>
+            <a:r>
+              <a:rPr kumimoji="0" lang="en-US" altLang="en-US" sz="35200" b="0" i="0" u="none" strike="noStrike" cap="none" normalizeH="0" baseline="0">
+                <a:ln>
+                  <a:noFill/>
+                </a:ln>
+                <a:solidFill>
+                  <a:schemeClr val="tx1"/>
+                </a:solidFill>
+                <a:effectLst/>
+                <a:latin typeface="Arial" panose="020B0604020202020204" pitchFamily="34" charset="0"/>
+              </a:rPr>
+              <a:t>       </a:t>
+            </a:r>
+            <a:r>
+              <a:rPr kumimoji="0" lang="en-US" altLang="en-US" sz="1800" b="0" i="0" u="none" strike="noStrike" cap="none" normalizeH="0" baseline="0">
+                <a:ln>
+                  <a:noFill/>
+                </a:ln>
+                <a:solidFill>
+                  <a:schemeClr val="tx1"/>
+                </a:solidFill>
+                <a:effectLst/>
+                <a:latin typeface="Arial" panose="020B0604020202020204" pitchFamily="34" charset="0"/>
+              </a:rPr>
+              <a:t>  </a:t>
+            </a:r>
+            <a:r>
+              <a:rPr kumimoji="0" lang="en-US" altLang="en-US" sz="35200" b="0" i="0" u="none" strike="noStrike" cap="none" normalizeH="0" baseline="0">
+                <a:ln>
+                  <a:noFill/>
+                </a:ln>
+                <a:solidFill>
+                  <a:schemeClr val="tx1"/>
+                </a:solidFill>
+                <a:effectLst/>
+                <a:latin typeface="Arial" panose="020B0604020202020204" pitchFamily="34" charset="0"/>
+              </a:rPr>
+              <a:t>       </a:t>
+            </a:r>
+            <a:br>
+              <a:rPr kumimoji="0" lang="en-US" altLang="en-US" sz="1800" b="0" i="0" u="none" strike="noStrike" cap="none" normalizeH="0" baseline="0">
+                <a:ln>
+                  <a:noFill/>
+                </a:ln>
+                <a:solidFill>
+                  <a:schemeClr val="tx1"/>
+                </a:solidFill>
+                <a:effectLst/>
+                <a:latin typeface="Arial" panose="020B0604020202020204" pitchFamily="34" charset="0"/>
+              </a:rPr>
+            </a:br>
+            <a:endParaRPr kumimoji="0" lang="en-US" altLang="en-US" sz="1800" b="0" i="0" u="none" strike="noStrike" cap="none" normalizeH="0" baseline="0">
+              <a:ln>
+                <a:noFill/>
+              </a:ln>
+              <a:solidFill>
+                <a:schemeClr val="tx1"/>
+              </a:solidFill>
+              <a:effectLst/>
+              <a:latin typeface="Arial" panose="020B0604020202020204" pitchFamily="34" charset="0"/>
+            </a:endParaRPr>
+          </a:p>
+          <a:p>
+            <a:pPr marL="0" marR="0" lvl="0" indent="0" algn="l" defTabSz="914400" rtl="0" eaLnBrk="0" fontAlgn="base" latinLnBrk="0" hangingPunct="0">
+              <a:lnSpc>
+                <a:spcPct val="100000"/>
+              </a:lnSpc>
+              <a:spcBef>
+                <a:spcPct val="0"/>
+              </a:spcBef>
+              <a:spcAft>
+                <a:spcPct val="0"/>
+              </a:spcAft>
+              <a:buClrTx/>
+              <a:buSzTx/>
+              <a:buFontTx/>
+              <a:buNone/>
+              <a:tabLst/>
+            </a:pPr>
+            <a:r>
+              <a:rPr kumimoji="0" lang="en-US" altLang="en-US" sz="1300" b="0" i="0" u="none" strike="noStrike" cap="none" normalizeH="0" baseline="0">
+                <a:ln>
+                  <a:noFill/>
+                </a:ln>
+                <a:solidFill>
+                  <a:srgbClr val="000000"/>
+                </a:solidFill>
+                <a:effectLst/>
+                <a:latin typeface="Arial" panose="020B0604020202020204" pitchFamily="34" charset="0"/>
+                <a:cs typeface="Arial" panose="020B0604020202020204" pitchFamily="34" charset="0"/>
+              </a:rPr>
+              <a:t> L   1   2   3   4   5</a:t>
+            </a:r>
+            <a:endParaRPr kumimoji="0" lang="en-US" altLang="en-US" sz="800" b="0" i="0" u="none" strike="noStrike" cap="none" normalizeH="0" baseline="0">
+              <a:ln>
+                <a:noFill/>
+              </a:ln>
+              <a:solidFill>
+                <a:schemeClr val="tx1"/>
+              </a:solidFill>
+              <a:effectLst/>
+            </a:endParaRPr>
+          </a:p>
+          <a:p>
+            <a:pPr marL="0" marR="0" lvl="0" indent="0" algn="l" defTabSz="914400" rtl="0" eaLnBrk="0" fontAlgn="base" latinLnBrk="0" hangingPunct="0">
+              <a:lnSpc>
+                <a:spcPct val="100000"/>
+              </a:lnSpc>
+              <a:spcBef>
+                <a:spcPct val="0"/>
+              </a:spcBef>
+              <a:spcAft>
+                <a:spcPct val="0"/>
+              </a:spcAft>
+              <a:buClrTx/>
+              <a:buSzTx/>
+              <a:buFontTx/>
+              <a:buNone/>
+              <a:tabLst/>
+            </a:pPr>
+            <a:br>
+              <a:rPr kumimoji="0" lang="en-US" altLang="en-US" sz="1800" b="0" i="0" u="none" strike="noStrike" cap="none" normalizeH="0" baseline="0">
+                <a:ln>
+                  <a:noFill/>
+                </a:ln>
+                <a:solidFill>
+                  <a:schemeClr val="tx1"/>
+                </a:solidFill>
+                <a:effectLst/>
+                <a:latin typeface="Arial" panose="020B0604020202020204" pitchFamily="34" charset="0"/>
+              </a:rPr>
+            </a:br>
+            <a:endParaRPr kumimoji="0" lang="en-US" altLang="en-US" sz="1800" b="0" i="0" u="none" strike="noStrike" cap="none" normalizeH="0" baseline="0">
+              <a:ln>
+                <a:noFill/>
+              </a:ln>
+              <a:solidFill>
+                <a:schemeClr val="tx1"/>
+              </a:solidFill>
+              <a:effectLst/>
+              <a:latin typeface="Arial" panose="020B0604020202020204" pitchFamily="34" charset="0"/>
+            </a:endParaRPr>
+          </a:p>
+        </p:txBody>
+      </p:sp>
+      <p:pic>
+        <p:nvPicPr>
+          <p:cNvPr id="1026" name="Picture 2">
+            <a:extLst>
+              <a:ext uri="{FF2B5EF4-FFF2-40B4-BE49-F238E27FC236}">
+                <a16:creationId xmlns:a16="http://schemas.microsoft.com/office/drawing/2014/main" id="{5DB359DD-A5D7-4317-B46C-444B9ACFC709}"/>
+              </a:ext>
+            </a:extLst>
+          </p:cNvPr>
+          <p:cNvPicPr>
+            <a:picLocks noChangeAspect="1" noChangeArrowheads="1"/>
+          </p:cNvPicPr>
+          <p:nvPr/>
+        </p:nvPicPr>
+        <p:blipFill>
+          <a:blip r:embed="rId2">
+            <a:extLst>
+              <a:ext uri="{28A0092B-C50C-407E-A947-70E740481C1C}">
+                <a14:useLocalDpi xmlns:a14="http://schemas.microsoft.com/office/drawing/2010/main" val="0"/>
+              </a:ext>
+            </a:extLst>
+          </a:blip>
+          <a:srcRect/>
+          <a:stretch>
+            <a:fillRect/>
+          </a:stretch>
+        </p:blipFill>
+        <p:spPr bwMode="auto">
+          <a:xfrm>
+            <a:off x="127000" y="-3192463"/>
+            <a:ext cx="7915275" cy="5600701"/>
+          </a:xfrm>
+          <a:prstGeom prst="rect">
+            <a:avLst/>
+          </a:prstGeom>
+          <a:noFill/>
+          <a:extLst>
+            <a:ext uri="{909E8E84-426E-40DD-AFC4-6F175D3DCCD1}">
+              <a14:hiddenFill xmlns:a14="http://schemas.microsoft.com/office/drawing/2010/main">
+                <a:solidFill>
+                  <a:srgbClr val="FFFFFF"/>
+                </a:solidFill>
+              </a14:hiddenFill>
+            </a:ext>
+          </a:extLst>
+        </p:spPr>
+      </p:pic>
+    </p:spTree>
+    <p:extLst>
+      <p:ext uri="{BB962C8B-B14F-4D97-AF65-F5344CB8AC3E}">
+        <p14:creationId xmlns:p14="http://schemas.microsoft.com/office/powerpoint/2010/main" val="2119121284"/>
       </p:ext>
     </p:extLst>
   </p:cSld>
